--- a/IntroAngular.pptx
+++ b/IntroAngular.pptx
@@ -6,8 +6,9 @@
   </p:sldMasterIdLst>
   <p:sldIdLst>
     <p:sldId id="256" r:id="rId2"/>
-    <p:sldId id="258" r:id="rId3"/>
-    <p:sldId id="257" r:id="rId4"/>
+    <p:sldId id="259" r:id="rId3"/>
+    <p:sldId id="258" r:id="rId4"/>
+    <p:sldId id="257" r:id="rId5"/>
   </p:sldIdLst>
   <p:sldSz cx="12192000" cy="6858000"/>
   <p:notesSz cx="6858000" cy="9144000"/>
@@ -106,6 +107,11 @@
       </a:defRPr>
     </a:lvl9pPr>
   </p:defaultTextStyle>
+  <p:extLst>
+    <p:ext uri="{EFAFB233-063F-42B5-8137-9DF3F51BA10A}">
+      <p15:sldGuideLst xmlns:p15="http://schemas.microsoft.com/office/powerpoint/2012/main"/>
+    </p:ext>
+  </p:extLst>
 </p:presentation>
 </file>
 
@@ -5781,7 +5787,7 @@
         </p:nvSpPr>
         <p:spPr>
           <a:xfrm>
-            <a:off x="1507067" y="1960397"/>
+            <a:off x="1507067" y="1534021"/>
             <a:ext cx="7766936" cy="1646302"/>
           </a:xfrm>
         </p:spPr>
@@ -5874,7 +5880,7 @@
         </p:blipFill>
         <p:spPr>
           <a:xfrm>
-            <a:off x="969101" y="4145552"/>
+            <a:off x="1761581" y="3957107"/>
             <a:ext cx="2381250" cy="2381250"/>
           </a:xfrm>
           <a:prstGeom prst="rect">
@@ -5936,7 +5942,7 @@
           <a:p>
             <a:r>
               <a:rPr lang="en-US" dirty="0" smtClean="0"/>
-              <a:t>Prerequisites</a:t>
+              <a:t>Angular 1, Angular 2, Angular JS?</a:t>
             </a:r>
             <a:endParaRPr lang="en-US" dirty="0"/>
           </a:p>
@@ -5957,7 +5963,378 @@
           <a:bodyPr/>
           <a:lstStyle/>
           <a:p>
-            <a:endParaRPr lang="en-US"/>
+            <a:r>
+              <a:rPr lang="en-US" dirty="0" smtClean="0"/>
+              <a:t>Angular 1.* has been </a:t>
+            </a:r>
+            <a:r>
+              <a:rPr lang="en-US" dirty="0"/>
+              <a:t>renamed </a:t>
+            </a:r>
+            <a:r>
+              <a:rPr lang="en-US" dirty="0" smtClean="0"/>
+              <a:t>“AngularJS” and its documentation is at  </a:t>
+            </a:r>
+            <a:r>
+              <a:rPr lang="en-US" dirty="0">
+                <a:hlinkClick r:id="rId2"/>
+              </a:rPr>
+              <a:t>https://angularjs.org</a:t>
+            </a:r>
+            <a:r>
+              <a:rPr lang="en-US" dirty="0" smtClean="0">
+                <a:hlinkClick r:id="rId2"/>
+              </a:rPr>
+              <a:t>/</a:t>
+            </a:r>
+            <a:r>
+              <a:rPr lang="en-US" dirty="0" smtClean="0"/>
+              <a:t> </a:t>
+            </a:r>
+          </a:p>
+          <a:p>
+            <a:r>
+              <a:rPr lang="en-US" dirty="0" smtClean="0"/>
+              <a:t>Angular 2 was </a:t>
+            </a:r>
+            <a:r>
+              <a:rPr lang="en-US" dirty="0"/>
+              <a:t>a ground-up rewrite </a:t>
+            </a:r>
+            <a:r>
+              <a:rPr lang="en-US" dirty="0" smtClean="0"/>
+              <a:t>of Angular 1. It is not backwards compatible with Angular 1.</a:t>
+            </a:r>
+          </a:p>
+          <a:p>
+            <a:r>
+              <a:rPr lang="en-US" dirty="0" smtClean="0"/>
+              <a:t>Angular 2 was renamed “Angular” and its documentation is </a:t>
+            </a:r>
+            <a:r>
+              <a:rPr lang="en-US" dirty="0"/>
+              <a:t>at </a:t>
+            </a:r>
+            <a:r>
+              <a:rPr lang="en-US" dirty="0">
+                <a:hlinkClick r:id="rId3"/>
+              </a:rPr>
+              <a:t>https://angular.io</a:t>
+            </a:r>
+            <a:r>
+              <a:rPr lang="en-US" dirty="0" smtClean="0">
+                <a:hlinkClick r:id="rId3"/>
+              </a:rPr>
+              <a:t>/</a:t>
+            </a:r>
+            <a:r>
+              <a:rPr lang="en-US" dirty="0" smtClean="0"/>
+              <a:t> </a:t>
+            </a:r>
+          </a:p>
+          <a:p>
+            <a:r>
+              <a:rPr lang="en-US" dirty="0" smtClean="0"/>
+              <a:t>The current version is Angular v4 and is the one we will use in this workshop.</a:t>
+            </a:r>
+            <a:endParaRPr lang="en-US" dirty="0"/>
+          </a:p>
+        </p:txBody>
+      </p:sp>
+      <p:pic>
+        <p:nvPicPr>
+          <p:cNvPr id="4" name="Picture 3"/>
+          <p:cNvPicPr>
+            <a:picLocks noChangeAspect="1"/>
+          </p:cNvPicPr>
+          <p:nvPr/>
+        </p:nvPicPr>
+        <p:blipFill>
+          <a:blip r:embed="rId4"/>
+          <a:stretch>
+            <a:fillRect/>
+          </a:stretch>
+        </p:blipFill>
+        <p:spPr>
+          <a:xfrm>
+            <a:off x="2063720" y="5392257"/>
+            <a:ext cx="2911948" cy="879294"/>
+          </a:xfrm>
+          <a:prstGeom prst="rect">
+            <a:avLst/>
+          </a:prstGeom>
+        </p:spPr>
+      </p:pic>
+      <p:pic>
+        <p:nvPicPr>
+          <p:cNvPr id="5" name="Picture 4"/>
+          <p:cNvPicPr>
+            <a:picLocks noChangeAspect="1"/>
+          </p:cNvPicPr>
+          <p:nvPr/>
+        </p:nvPicPr>
+        <p:blipFill>
+          <a:blip r:embed="rId5"/>
+          <a:stretch>
+            <a:fillRect/>
+          </a:stretch>
+        </p:blipFill>
+        <p:spPr>
+          <a:xfrm>
+            <a:off x="5943737" y="4911634"/>
+            <a:ext cx="1344340" cy="1747157"/>
+          </a:xfrm>
+          <a:prstGeom prst="rect">
+            <a:avLst/>
+          </a:prstGeom>
+        </p:spPr>
+      </p:pic>
+    </p:spTree>
+    <p:extLst>
+      <p:ext uri="{BB962C8B-B14F-4D97-AF65-F5344CB8AC3E}">
+        <p14:creationId xmlns:p14="http://schemas.microsoft.com/office/powerpoint/2010/main" val="3957142864"/>
+      </p:ext>
+    </p:extLst>
+  </p:cSld>
+  <p:clrMapOvr>
+    <a:masterClrMapping/>
+  </p:clrMapOvr>
+</p:sld>
+</file>
+
+<file path=ppt/slides/slide3.xml><?xml version="1.0" encoding="utf-8"?>
+<p:sld xmlns:a="http://schemas.openxmlformats.org/drawingml/2006/main" xmlns:r="http://schemas.openxmlformats.org/officeDocument/2006/relationships" xmlns:p="http://schemas.openxmlformats.org/presentationml/2006/main">
+  <p:cSld>
+    <p:spTree>
+      <p:nvGrpSpPr>
+        <p:cNvPr id="1" name=""/>
+        <p:cNvGrpSpPr/>
+        <p:nvPr/>
+      </p:nvGrpSpPr>
+      <p:grpSpPr>
+        <a:xfrm>
+          <a:off x="0" y="0"/>
+          <a:ext cx="0" cy="0"/>
+          <a:chOff x="0" y="0"/>
+          <a:chExt cx="0" cy="0"/>
+        </a:xfrm>
+      </p:grpSpPr>
+      <p:sp>
+        <p:nvSpPr>
+          <p:cNvPr id="2" name="Title 1"/>
+          <p:cNvSpPr>
+            <a:spLocks noGrp="1"/>
+          </p:cNvSpPr>
+          <p:nvPr>
+            <p:ph type="title"/>
+          </p:nvPr>
+        </p:nvSpPr>
+        <p:spPr/>
+        <p:txBody>
+          <a:bodyPr/>
+          <a:lstStyle/>
+          <a:p>
+            <a:r>
+              <a:rPr lang="en-US" dirty="0" smtClean="0"/>
+              <a:t>Setup - Eclipse</a:t>
+            </a:r>
+            <a:endParaRPr lang="en-US" dirty="0"/>
+          </a:p>
+        </p:txBody>
+      </p:sp>
+      <p:sp>
+        <p:nvSpPr>
+          <p:cNvPr id="3" name="Content Placeholder 2"/>
+          <p:cNvSpPr>
+            <a:spLocks noGrp="1"/>
+          </p:cNvSpPr>
+          <p:nvPr>
+            <p:ph idx="1"/>
+          </p:nvPr>
+        </p:nvSpPr>
+        <p:spPr>
+          <a:xfrm>
+            <a:off x="677334" y="1410789"/>
+            <a:ext cx="8596668" cy="4630573"/>
+          </a:xfrm>
+        </p:spPr>
+        <p:txBody>
+          <a:bodyPr/>
+          <a:lstStyle/>
+          <a:p>
+            <a:r>
+              <a:rPr lang="en-US" dirty="0"/>
+              <a:t>You MUST HAVE node v4.x.x and </a:t>
+            </a:r>
+            <a:r>
+              <a:rPr lang="en-US" dirty="0" err="1"/>
+              <a:t>npm</a:t>
+            </a:r>
+            <a:r>
+              <a:rPr lang="en-US" dirty="0"/>
+              <a:t> </a:t>
+            </a:r>
+            <a:r>
+              <a:rPr lang="en-US" dirty="0" smtClean="0"/>
+              <a:t>3.x.x</a:t>
+            </a:r>
+          </a:p>
+          <a:p>
+            <a:pPr lvl="1"/>
+            <a:r>
+              <a:rPr lang="en-US" dirty="0" smtClean="0"/>
+              <a:t>Running </a:t>
+            </a:r>
+            <a:r>
+              <a:rPr lang="en-US" dirty="0"/>
+              <a:t>node -v and </a:t>
+            </a:r>
+            <a:r>
+              <a:rPr lang="en-US" dirty="0" err="1"/>
+              <a:t>npm</a:t>
+            </a:r>
+            <a:r>
+              <a:rPr lang="en-US" dirty="0"/>
+              <a:t> </a:t>
+            </a:r>
+            <a:r>
+              <a:rPr lang="en-US" dirty="0" smtClean="0"/>
+              <a:t>–v will give you the version you have</a:t>
+            </a:r>
+            <a:endParaRPr lang="en-US" dirty="0"/>
+          </a:p>
+          <a:p>
+            <a:r>
+              <a:rPr lang="en-US" dirty="0" smtClean="0"/>
+              <a:t>Crea</a:t>
+            </a:r>
+            <a:r>
+              <a:rPr lang="en-US" dirty="0" smtClean="0"/>
+              <a:t>te a new workspace in Eclipse. </a:t>
+            </a:r>
+            <a:r>
+              <a:rPr lang="en-US" dirty="0"/>
+              <a:t>Select </a:t>
+            </a:r>
+            <a:r>
+              <a:rPr lang="en-US" i="1" dirty="0"/>
+              <a:t>File&gt;New&gt;Dynamic Web </a:t>
+            </a:r>
+            <a:r>
+              <a:rPr lang="en-US" i="1" dirty="0" smtClean="0"/>
+              <a:t>Project</a:t>
+            </a:r>
+          </a:p>
+          <a:p>
+            <a:r>
+              <a:rPr lang="en-US" dirty="0" smtClean="0"/>
+              <a:t>Project name can be anything, like “first-setup”. Click </a:t>
+            </a:r>
+            <a:r>
+              <a:rPr lang="en-US" i="1" dirty="0" smtClean="0"/>
+              <a:t>Finish</a:t>
+            </a:r>
+            <a:r>
+              <a:rPr lang="en-US" dirty="0" smtClean="0"/>
+              <a:t>.</a:t>
+            </a:r>
+          </a:p>
+          <a:p>
+            <a:r>
+              <a:rPr lang="en-US" dirty="0"/>
+              <a:t>Right-click the newly created project and select </a:t>
+            </a:r>
+            <a:r>
+              <a:rPr lang="en-US" i="1" dirty="0"/>
+              <a:t>Show </a:t>
+            </a:r>
+            <a:r>
+              <a:rPr lang="en-US" i="1" dirty="0" smtClean="0"/>
+              <a:t>in Local Terminal&gt;Terminal</a:t>
+            </a:r>
+            <a:r>
+              <a:rPr lang="en-US" i="1" dirty="0"/>
+              <a:t>.</a:t>
+            </a:r>
+            <a:endParaRPr lang="en-US" i="1" dirty="0" smtClean="0"/>
+          </a:p>
+          <a:p>
+            <a:r>
+              <a:rPr lang="en-US" dirty="0" smtClean="0"/>
+              <a:t>In </a:t>
+            </a:r>
+            <a:r>
+              <a:rPr lang="en-US" dirty="0"/>
+              <a:t>the Terminal view, </a:t>
+            </a:r>
+            <a:r>
+              <a:rPr lang="en-US" dirty="0" smtClean="0"/>
+              <a:t>type: </a:t>
+            </a:r>
+            <a:r>
+              <a:rPr lang="en-US" dirty="0"/>
+              <a:t>ng </a:t>
+            </a:r>
+            <a:r>
+              <a:rPr lang="en-US" dirty="0" err="1" smtClean="0"/>
+              <a:t>init</a:t>
+            </a:r>
+            <a:endParaRPr lang="en-US" dirty="0"/>
+          </a:p>
+          <a:p>
+            <a:pPr lvl="1"/>
+            <a:r>
+              <a:rPr lang="en-US" dirty="0" smtClean="0"/>
+              <a:t>This creates a Hello World application.</a:t>
+            </a:r>
+          </a:p>
+          <a:p>
+            <a:r>
+              <a:rPr lang="en-US" dirty="0" smtClean="0"/>
+              <a:t>In the Terminal, type: </a:t>
+            </a:r>
+            <a:r>
+              <a:rPr lang="en-US" dirty="0" err="1" smtClean="0"/>
+              <a:t>npm</a:t>
+            </a:r>
+            <a:r>
+              <a:rPr lang="en-US" dirty="0" smtClean="0"/>
+              <a:t> start</a:t>
+            </a:r>
+          </a:p>
+          <a:p>
+            <a:pPr lvl="1"/>
+            <a:r>
+              <a:rPr lang="en-US" dirty="0" smtClean="0"/>
+              <a:t>This starts the Hello World application</a:t>
+            </a:r>
+          </a:p>
+          <a:p>
+            <a:r>
+              <a:rPr lang="en-US" dirty="0" smtClean="0"/>
+              <a:t>Go to </a:t>
+            </a:r>
+            <a:r>
+              <a:rPr lang="en-US" dirty="0">
+                <a:hlinkClick r:id="rId2"/>
+              </a:rPr>
+              <a:t>http://localhost:4200</a:t>
+            </a:r>
+            <a:r>
+              <a:rPr lang="en-US" dirty="0" smtClean="0">
+                <a:hlinkClick r:id="rId2"/>
+              </a:rPr>
+              <a:t>/</a:t>
+            </a:r>
+            <a:endParaRPr lang="en-US" dirty="0" smtClean="0"/>
+          </a:p>
+          <a:p>
+            <a:pPr lvl="1"/>
+            <a:r>
+              <a:rPr lang="en-US" dirty="0" smtClean="0"/>
+              <a:t>The application works</a:t>
+            </a:r>
+            <a:endParaRPr lang="en-US" dirty="0"/>
           </a:p>
         </p:txBody>
       </p:sp>
@@ -5981,7 +6358,7 @@
 </p:sld>
 </file>
 
-<file path=ppt/slides/slide3.xml><?xml version="1.0" encoding="utf-8"?>
+<file path=ppt/slides/slide4.xml><?xml version="1.0" encoding="utf-8"?>
 <p:sld xmlns:a="http://schemas.openxmlformats.org/drawingml/2006/main" xmlns:r="http://schemas.openxmlformats.org/officeDocument/2006/relationships" xmlns:p="http://schemas.openxmlformats.org/presentationml/2006/main">
   <p:cSld>
     <p:spTree>

--- a/IntroAngular.pptx
+++ b/IntroAngular.pptx
@@ -6136,7 +6136,7 @@
           <a:p>
             <a:r>
               <a:rPr lang="en-US" dirty="0" smtClean="0"/>
-              <a:t>Setup - Eclipse</a:t>
+              <a:t>Setup</a:t>
             </a:r>
             <a:endParaRPr lang="en-US" dirty="0"/>
           </a:p>
@@ -6159,7 +6159,9 @@
           </a:xfrm>
         </p:spPr>
         <p:txBody>
-          <a:bodyPr/>
+          <a:bodyPr>
+            <a:normAutofit/>
+          </a:bodyPr>
           <a:lstStyle/>
           <a:p>
             <a:r>
@@ -6186,158 +6188,194 @@
               <a:t>Running </a:t>
             </a:r>
             <a:r>
+              <a:rPr lang="en-US" dirty="0">
+                <a:latin typeface="Courier New" panose="02070309020205020404" pitchFamily="49" charset="0"/>
+                <a:cs typeface="Courier New" panose="02070309020205020404" pitchFamily="49" charset="0"/>
+              </a:rPr>
+              <a:t>node -v </a:t>
+            </a:r>
+            <a:r>
               <a:rPr lang="en-US" dirty="0"/>
-              <a:t>node -v and </a:t>
-            </a:r>
-            <a:r>
-              <a:rPr lang="en-US" dirty="0" err="1"/>
+              <a:t>and </a:t>
+            </a:r>
+            <a:r>
+              <a:rPr lang="en-US" dirty="0" err="1">
+                <a:latin typeface="Courier New" panose="02070309020205020404" pitchFamily="49" charset="0"/>
+                <a:cs typeface="Courier New" panose="02070309020205020404" pitchFamily="49" charset="0"/>
+              </a:rPr>
               <a:t>npm</a:t>
             </a:r>
             <a:r>
+              <a:rPr lang="en-US" dirty="0">
+                <a:latin typeface="Courier New" panose="02070309020205020404" pitchFamily="49" charset="0"/>
+                <a:cs typeface="Courier New" panose="02070309020205020404" pitchFamily="49" charset="0"/>
+              </a:rPr>
+              <a:t> </a:t>
+            </a:r>
+            <a:r>
+              <a:rPr lang="en-US" dirty="0" smtClean="0">
+                <a:latin typeface="Courier New" panose="02070309020205020404" pitchFamily="49" charset="0"/>
+                <a:cs typeface="Courier New" panose="02070309020205020404" pitchFamily="49" charset="0"/>
+              </a:rPr>
+              <a:t>–v </a:t>
+            </a:r>
+            <a:r>
+              <a:rPr lang="en-US" dirty="0" smtClean="0"/>
+              <a:t>will give you the version you have</a:t>
+            </a:r>
+            <a:endParaRPr lang="en-US" dirty="0"/>
+          </a:p>
+          <a:p>
+            <a:r>
+              <a:rPr lang="en-US" dirty="0" smtClean="0"/>
+              <a:t>Clone into your local </a:t>
+            </a:r>
+            <a:r>
+              <a:rPr lang="en-US" dirty="0" smtClean="0">
+                <a:latin typeface="Courier New" panose="02070309020205020404" pitchFamily="49" charset="0"/>
+                <a:cs typeface="Courier New" panose="02070309020205020404" pitchFamily="49" charset="0"/>
+              </a:rPr>
+              <a:t>https</a:t>
+            </a:r>
+            <a:r>
+              <a:rPr lang="en-US" dirty="0">
+                <a:latin typeface="Courier New" panose="02070309020205020404" pitchFamily="49" charset="0"/>
+                <a:cs typeface="Courier New" panose="02070309020205020404" pitchFamily="49" charset="0"/>
+              </a:rPr>
+              <a:t>://github.com/ebrumley-dbs/angular-pres/tree/master/before</a:t>
+            </a:r>
+            <a:endParaRPr lang="en-US" dirty="0" smtClean="0">
+              <a:latin typeface="Courier New" panose="02070309020205020404" pitchFamily="49" charset="0"/>
+              <a:cs typeface="Courier New" panose="02070309020205020404" pitchFamily="49" charset="0"/>
+            </a:endParaRPr>
+          </a:p>
+          <a:p>
+            <a:r>
+              <a:rPr lang="en-US" dirty="0" smtClean="0"/>
+              <a:t>In IntelliJ or </a:t>
+            </a:r>
+            <a:r>
+              <a:rPr lang="en-US" dirty="0" err="1" smtClean="0"/>
+              <a:t>Webstorm</a:t>
+            </a:r>
+            <a:r>
+              <a:rPr lang="en-US" dirty="0" smtClean="0"/>
+              <a:t>, open the folder you cloned </a:t>
+            </a:r>
+            <a:r>
               <a:rPr lang="en-US" dirty="0"/>
-              <a:t> </a:t>
+              <a:t>(like C:\</a:t>
             </a:r>
             <a:r>
               <a:rPr lang="en-US" dirty="0" smtClean="0"/>
-              <a:t>–v will give you the version you have</a:t>
-            </a:r>
-            <a:endParaRPr lang="en-US" dirty="0"/>
+              <a:t>Users\eeb1114\Downloads\before).</a:t>
+            </a:r>
           </a:p>
           <a:p>
             <a:r>
               <a:rPr lang="en-US" dirty="0" smtClean="0"/>
-              <a:t>Crea</a:t>
+              <a:t>In the IDE terminal, typ</a:t>
             </a:r>
             <a:r>
               <a:rPr lang="en-US" dirty="0" smtClean="0"/>
-              <a:t>te a new workspace in Eclipse. </a:t>
+              <a:t>e: </a:t>
+            </a:r>
+            <a:r>
+              <a:rPr lang="en-US" dirty="0" err="1" smtClean="0">
+                <a:latin typeface="Courier New" panose="02070309020205020404" pitchFamily="49" charset="0"/>
+                <a:cs typeface="Courier New" panose="02070309020205020404" pitchFamily="49" charset="0"/>
+              </a:rPr>
+              <a:t>npm</a:t>
+            </a:r>
+            <a:r>
+              <a:rPr lang="en-US" dirty="0" smtClean="0">
+                <a:latin typeface="Courier New" panose="02070309020205020404" pitchFamily="49" charset="0"/>
+                <a:cs typeface="Courier New" panose="02070309020205020404" pitchFamily="49" charset="0"/>
+              </a:rPr>
+              <a:t> install</a:t>
+            </a:r>
+          </a:p>
+          <a:p>
+            <a:pPr lvl="1"/>
+            <a:r>
+              <a:rPr lang="en-US" dirty="0" smtClean="0"/>
+              <a:t>Have patience, it takes a bit of time.</a:t>
+            </a:r>
+          </a:p>
+          <a:p>
+            <a:r>
+              <a:rPr lang="en-US" dirty="0" smtClean="0"/>
+              <a:t>Type: </a:t>
+            </a:r>
+            <a:r>
+              <a:rPr lang="en-US" dirty="0" err="1" smtClean="0">
+                <a:latin typeface="Courier New" panose="02070309020205020404" pitchFamily="49" charset="0"/>
+                <a:cs typeface="Courier New" panose="02070309020205020404" pitchFamily="49" charset="0"/>
+              </a:rPr>
+              <a:t>npm</a:t>
+            </a:r>
+            <a:r>
+              <a:rPr lang="en-US" dirty="0" smtClean="0">
+                <a:latin typeface="Courier New" panose="02070309020205020404" pitchFamily="49" charset="0"/>
+                <a:cs typeface="Courier New" panose="02070309020205020404" pitchFamily="49" charset="0"/>
+              </a:rPr>
+              <a:t> start</a:t>
+            </a:r>
+          </a:p>
+          <a:p>
+            <a:r>
+              <a:rPr lang="en-US" dirty="0" smtClean="0"/>
+              <a:t>Open </a:t>
             </a:r>
             <a:r>
               <a:rPr lang="en-US" dirty="0"/>
-              <a:t>Select </a:t>
-            </a:r>
-            <a:r>
-              <a:rPr lang="en-US" i="1" dirty="0"/>
-              <a:t>File&gt;New&gt;Dynamic Web </a:t>
-            </a:r>
-            <a:r>
-              <a:rPr lang="en-US" i="1" dirty="0" smtClean="0"/>
-              <a:t>Project</a:t>
-            </a:r>
-          </a:p>
-          <a:p>
-            <a:r>
-              <a:rPr lang="en-US" dirty="0" smtClean="0"/>
-              <a:t>Project name can be anything, like “first-setup”. Click </a:t>
-            </a:r>
-            <a:r>
-              <a:rPr lang="en-US" i="1" dirty="0" smtClean="0"/>
-              <a:t>Finish</a:t>
-            </a:r>
-            <a:r>
-              <a:rPr lang="en-US" dirty="0" smtClean="0"/>
-              <a:t>.</a:t>
-            </a:r>
-          </a:p>
-          <a:p>
-            <a:r>
-              <a:rPr lang="en-US" dirty="0"/>
-              <a:t>Right-click the newly created project and select </a:t>
-            </a:r>
-            <a:r>
-              <a:rPr lang="en-US" i="1" dirty="0"/>
-              <a:t>Show </a:t>
-            </a:r>
-            <a:r>
-              <a:rPr lang="en-US" i="1" dirty="0" smtClean="0"/>
-              <a:t>in Local Terminal&gt;Terminal</a:t>
-            </a:r>
-            <a:r>
-              <a:rPr lang="en-US" i="1" dirty="0"/>
-              <a:t>.</a:t>
-            </a:r>
-            <a:endParaRPr lang="en-US" i="1" dirty="0" smtClean="0"/>
-          </a:p>
-          <a:p>
-            <a:r>
-              <a:rPr lang="en-US" dirty="0" smtClean="0"/>
-              <a:t>In </a:t>
-            </a:r>
-            <a:r>
-              <a:rPr lang="en-US" dirty="0"/>
-              <a:t>the Terminal view, </a:t>
-            </a:r>
-            <a:r>
-              <a:rPr lang="en-US" dirty="0" smtClean="0"/>
-              <a:t>type: </a:t>
-            </a:r>
-            <a:r>
-              <a:rPr lang="en-US" dirty="0"/>
-              <a:t>ng </a:t>
-            </a:r>
-            <a:r>
-              <a:rPr lang="en-US" dirty="0" err="1" smtClean="0"/>
-              <a:t>init</a:t>
-            </a:r>
-            <a:endParaRPr lang="en-US" dirty="0"/>
-          </a:p>
-          <a:p>
-            <a:pPr lvl="1"/>
-            <a:r>
-              <a:rPr lang="en-US" dirty="0" smtClean="0"/>
-              <a:t>This creates a Hello World application.</a:t>
-            </a:r>
-          </a:p>
-          <a:p>
-            <a:r>
-              <a:rPr lang="en-US" dirty="0" smtClean="0"/>
-              <a:t>In the Terminal, type: </a:t>
-            </a:r>
-            <a:r>
-              <a:rPr lang="en-US" dirty="0" err="1" smtClean="0"/>
-              <a:t>npm</a:t>
-            </a:r>
-            <a:r>
-              <a:rPr lang="en-US" dirty="0" smtClean="0"/>
-              <a:t> start</a:t>
-            </a:r>
-          </a:p>
-          <a:p>
-            <a:pPr lvl="1"/>
-            <a:r>
-              <a:rPr lang="en-US" dirty="0" smtClean="0"/>
-              <a:t>This starts the Hello World application</a:t>
-            </a:r>
-          </a:p>
-          <a:p>
-            <a:r>
-              <a:rPr lang="en-US" dirty="0" smtClean="0"/>
-              <a:t>Go to </a:t>
+              <a:t>in browser: </a:t>
             </a:r>
             <a:r>
               <a:rPr lang="en-US" dirty="0">
-                <a:hlinkClick r:id="rId2"/>
+                <a:latin typeface="Courier New" panose="02070309020205020404" pitchFamily="49" charset="0"/>
+                <a:cs typeface="Courier New" panose="02070309020205020404" pitchFamily="49" charset="0"/>
               </a:rPr>
-              <a:t>http://localhost:4200</a:t>
+              <a:t>http://</a:t>
             </a:r>
             <a:r>
               <a:rPr lang="en-US" dirty="0" smtClean="0">
-                <a:hlinkClick r:id="rId2"/>
+                <a:latin typeface="Courier New" panose="02070309020205020404" pitchFamily="49" charset="0"/>
+                <a:cs typeface="Courier New" panose="02070309020205020404" pitchFamily="49" charset="0"/>
               </a:rPr>
-              <a:t>/</a:t>
-            </a:r>
-            <a:endParaRPr lang="en-US" dirty="0" smtClean="0"/>
-          </a:p>
-          <a:p>
-            <a:pPr lvl="1"/>
-            <a:r>
-              <a:rPr lang="en-US" dirty="0" smtClean="0"/>
-              <a:t>The application works</a:t>
-            </a:r>
-            <a:endParaRPr lang="en-US" dirty="0"/>
-          </a:p>
-        </p:txBody>
-      </p:sp>
+              <a:t>localhost:4200</a:t>
+            </a:r>
+            <a:endParaRPr lang="en-US" dirty="0" smtClean="0">
+              <a:latin typeface="Courier New" panose="02070309020205020404" pitchFamily="49" charset="0"/>
+              <a:cs typeface="Courier New" panose="02070309020205020404" pitchFamily="49" charset="0"/>
+            </a:endParaRPr>
+          </a:p>
+        </p:txBody>
+      </p:sp>
+      <p:pic>
+        <p:nvPicPr>
+          <p:cNvPr id="4" name="Picture 3"/>
+          <p:cNvPicPr>
+            <a:picLocks noChangeAspect="1"/>
+          </p:cNvPicPr>
+          <p:nvPr/>
+        </p:nvPicPr>
+        <p:blipFill>
+          <a:blip r:embed="rId2"/>
+          <a:stretch>
+            <a:fillRect/>
+          </a:stretch>
+        </p:blipFill>
+        <p:spPr>
+          <a:xfrm>
+            <a:off x="6593477" y="4125958"/>
+            <a:ext cx="4038600" cy="2228850"/>
+          </a:xfrm>
+          <a:prstGeom prst="rect">
+            <a:avLst/>
+          </a:prstGeom>
+        </p:spPr>
+      </p:pic>
     </p:spTree>
     <p:extLst>
       <p:ext uri="{BB962C8B-B14F-4D97-AF65-F5344CB8AC3E}">

--- a/IntroAngular.pptx
+++ b/IntroAngular.pptx
@@ -6242,7 +6242,14 @@
                 <a:latin typeface="Courier New" panose="02070309020205020404" pitchFamily="49" charset="0"/>
                 <a:cs typeface="Courier New" panose="02070309020205020404" pitchFamily="49" charset="0"/>
               </a:rPr>
-              <a:t>://github.com/ebrumley-dbs/angular-pres/tree/master/before</a:t>
+              <a:t>://</a:t>
+            </a:r>
+            <a:r>
+              <a:rPr lang="en-US" dirty="0" smtClean="0">
+                <a:latin typeface="Courier New" panose="02070309020205020404" pitchFamily="49" charset="0"/>
+                <a:cs typeface="Courier New" panose="02070309020205020404" pitchFamily="49" charset="0"/>
+              </a:rPr>
+              <a:t>github.com/ebrumley-dbs/angular-pres.git</a:t>
             </a:r>
             <a:endParaRPr lang="en-US" dirty="0" smtClean="0">
               <a:latin typeface="Courier New" panose="02070309020205020404" pitchFamily="49" charset="0"/>
@@ -6260,7 +6267,22 @@
             </a:r>
             <a:r>
               <a:rPr lang="en-US" dirty="0" smtClean="0"/>
-              <a:t>, open the folder you cloned </a:t>
+              <a:t>, open the </a:t>
+            </a:r>
+            <a:r>
+              <a:rPr lang="en-US" dirty="0" smtClean="0">
+                <a:latin typeface="Courier New" panose="02070309020205020404" pitchFamily="49" charset="0"/>
+                <a:cs typeface="Courier New" panose="02070309020205020404" pitchFamily="49" charset="0"/>
+              </a:rPr>
+              <a:t>before</a:t>
+            </a:r>
+            <a:r>
+              <a:rPr lang="en-US" dirty="0" smtClean="0"/>
+              <a:t> folder </a:t>
+            </a:r>
+            <a:r>
+              <a:rPr lang="en-US" dirty="0" smtClean="0"/>
+              <a:t>you cloned </a:t>
             </a:r>
             <a:r>
               <a:rPr lang="en-US" dirty="0"/>
@@ -6274,11 +6296,19 @@
           <a:p>
             <a:r>
               <a:rPr lang="en-US" dirty="0" smtClean="0"/>
-              <a:t>In the IDE terminal, typ</a:t>
+              <a:t>In the IDE </a:t>
             </a:r>
             <a:r>
               <a:rPr lang="en-US" dirty="0" smtClean="0"/>
-              <a:t>e: </a:t>
+              <a:t>terminal make sure you are in the before folder and </a:t>
+            </a:r>
+            <a:r>
+              <a:rPr lang="en-US" dirty="0" smtClean="0"/>
+              <a:t>type: </a:t>
+            </a:r>
+            <a:r>
+              <a:rPr lang="en-US" dirty="0" smtClean="0"/>
+              <a:t>           </a:t>
             </a:r>
             <a:r>
               <a:rPr lang="en-US" dirty="0" err="1" smtClean="0">
@@ -6292,7 +6322,14 @@
                 <a:latin typeface="Courier New" panose="02070309020205020404" pitchFamily="49" charset="0"/>
                 <a:cs typeface="Courier New" panose="02070309020205020404" pitchFamily="49" charset="0"/>
               </a:rPr>
-              <a:t> install</a:t>
+              <a:t> </a:t>
+            </a:r>
+            <a:r>
+              <a:rPr lang="en-US" dirty="0" smtClean="0">
+                <a:latin typeface="Courier New" panose="02070309020205020404" pitchFamily="49" charset="0"/>
+                <a:cs typeface="Courier New" panose="02070309020205020404" pitchFamily="49" charset="0"/>
+              </a:rPr>
+              <a:t>install</a:t>
             </a:r>
           </a:p>
           <a:p>
@@ -6305,7 +6342,15 @@
           <a:p>
             <a:r>
               <a:rPr lang="en-US" dirty="0" smtClean="0"/>
-              <a:t>Type: </a:t>
+              <a:t>When done, t</a:t>
+            </a:r>
+            <a:r>
+              <a:rPr lang="en-US" dirty="0" smtClean="0"/>
+              <a:t>ype</a:t>
+            </a:r>
+            <a:r>
+              <a:rPr lang="en-US" dirty="0" smtClean="0"/>
+              <a:t>: </a:t>
             </a:r>
             <a:r>
               <a:rPr lang="en-US" dirty="0" err="1" smtClean="0">
@@ -6345,10 +6390,6 @@
               </a:rPr>
               <a:t>localhost:4200</a:t>
             </a:r>
-            <a:endParaRPr lang="en-US" dirty="0" smtClean="0">
-              <a:latin typeface="Courier New" panose="02070309020205020404" pitchFamily="49" charset="0"/>
-              <a:cs typeface="Courier New" panose="02070309020205020404" pitchFamily="49" charset="0"/>
-            </a:endParaRPr>
           </a:p>
         </p:txBody>
       </p:sp>

--- a/IntroAngular.pptx
+++ b/IntroAngular.pptx
@@ -8,7 +8,8 @@
     <p:sldId id="256" r:id="rId2"/>
     <p:sldId id="259" r:id="rId3"/>
     <p:sldId id="258" r:id="rId4"/>
-    <p:sldId id="257" r:id="rId5"/>
+    <p:sldId id="260" r:id="rId5"/>
+    <p:sldId id="257" r:id="rId6"/>
   </p:sldIdLst>
   <p:sldSz cx="12192000" cy="6858000"/>
   <p:notesSz cx="6858000" cy="9144000"/>
@@ -6251,10 +6252,6 @@
               </a:rPr>
               <a:t>github.com/ebrumley-dbs/angular-pres.git</a:t>
             </a:r>
-            <a:endParaRPr lang="en-US" dirty="0" smtClean="0">
-              <a:latin typeface="Courier New" panose="02070309020205020404" pitchFamily="49" charset="0"/>
-              <a:cs typeface="Courier New" panose="02070309020205020404" pitchFamily="49" charset="0"/>
-            </a:endParaRPr>
           </a:p>
           <a:p>
             <a:r>
@@ -6278,11 +6275,7 @@
             </a:r>
             <a:r>
               <a:rPr lang="en-US" dirty="0" smtClean="0"/>
-              <a:t> folder </a:t>
-            </a:r>
-            <a:r>
-              <a:rPr lang="en-US" dirty="0" smtClean="0"/>
-              <a:t>you cloned </a:t>
+              <a:t> folder you cloned </a:t>
             </a:r>
             <a:r>
               <a:rPr lang="en-US" dirty="0"/>
@@ -6296,19 +6289,7 @@
           <a:p>
             <a:r>
               <a:rPr lang="en-US" dirty="0" smtClean="0"/>
-              <a:t>In the IDE </a:t>
-            </a:r>
-            <a:r>
-              <a:rPr lang="en-US" dirty="0" smtClean="0"/>
-              <a:t>terminal make sure you are in the before folder and </a:t>
-            </a:r>
-            <a:r>
-              <a:rPr lang="en-US" dirty="0" smtClean="0"/>
-              <a:t>type: </a:t>
-            </a:r>
-            <a:r>
-              <a:rPr lang="en-US" dirty="0" smtClean="0"/>
-              <a:t>           </a:t>
+              <a:t>In the IDE terminal make sure you are in the before folder and type:            </a:t>
             </a:r>
             <a:r>
               <a:rPr lang="en-US" dirty="0" err="1" smtClean="0">
@@ -6322,14 +6303,7 @@
                 <a:latin typeface="Courier New" panose="02070309020205020404" pitchFamily="49" charset="0"/>
                 <a:cs typeface="Courier New" panose="02070309020205020404" pitchFamily="49" charset="0"/>
               </a:rPr>
-              <a:t> </a:t>
-            </a:r>
-            <a:r>
-              <a:rPr lang="en-US" dirty="0" smtClean="0">
-                <a:latin typeface="Courier New" panose="02070309020205020404" pitchFamily="49" charset="0"/>
-                <a:cs typeface="Courier New" panose="02070309020205020404" pitchFamily="49" charset="0"/>
-              </a:rPr>
-              <a:t>install</a:t>
+              <a:t> install</a:t>
             </a:r>
           </a:p>
           <a:p>
@@ -6342,15 +6316,7 @@
           <a:p>
             <a:r>
               <a:rPr lang="en-US" dirty="0" smtClean="0"/>
-              <a:t>When done, t</a:t>
-            </a:r>
-            <a:r>
-              <a:rPr lang="en-US" dirty="0" smtClean="0"/>
-              <a:t>ype</a:t>
-            </a:r>
-            <a:r>
-              <a:rPr lang="en-US" dirty="0" smtClean="0"/>
-              <a:t>: </a:t>
+              <a:t>When done, type: </a:t>
             </a:r>
             <a:r>
               <a:rPr lang="en-US" dirty="0" err="1" smtClean="0">
@@ -6438,6 +6404,286 @@
 </file>
 
 <file path=ppt/slides/slide4.xml><?xml version="1.0" encoding="utf-8"?>
+<p:sld xmlns:a="http://schemas.openxmlformats.org/drawingml/2006/main" xmlns:r="http://schemas.openxmlformats.org/officeDocument/2006/relationships" xmlns:p="http://schemas.openxmlformats.org/presentationml/2006/main">
+  <p:cSld>
+    <p:spTree>
+      <p:nvGrpSpPr>
+        <p:cNvPr id="1" name=""/>
+        <p:cNvGrpSpPr/>
+        <p:nvPr/>
+      </p:nvGrpSpPr>
+      <p:grpSpPr>
+        <a:xfrm>
+          <a:off x="0" y="0"/>
+          <a:ext cx="0" cy="0"/>
+          <a:chOff x="0" y="0"/>
+          <a:chExt cx="0" cy="0"/>
+        </a:xfrm>
+      </p:grpSpPr>
+      <p:sp>
+        <p:nvSpPr>
+          <p:cNvPr id="2" name="Title 1"/>
+          <p:cNvSpPr>
+            <a:spLocks noGrp="1"/>
+          </p:cNvSpPr>
+          <p:nvPr>
+            <p:ph type="title"/>
+          </p:nvPr>
+        </p:nvSpPr>
+        <p:spPr/>
+        <p:txBody>
+          <a:bodyPr/>
+          <a:lstStyle/>
+          <a:p>
+            <a:r>
+              <a:rPr lang="en-US" dirty="0" smtClean="0"/>
+              <a:t>Entry point and bootstrapping</a:t>
+            </a:r>
+            <a:endParaRPr lang="en-US" dirty="0"/>
+          </a:p>
+        </p:txBody>
+      </p:sp>
+      <p:sp>
+        <p:nvSpPr>
+          <p:cNvPr id="3" name="Content Placeholder 2"/>
+          <p:cNvSpPr>
+            <a:spLocks noGrp="1"/>
+          </p:cNvSpPr>
+          <p:nvPr>
+            <p:ph idx="1"/>
+          </p:nvPr>
+        </p:nvSpPr>
+        <p:spPr>
+          <a:xfrm>
+            <a:off x="677334" y="1482635"/>
+            <a:ext cx="9407192" cy="4787328"/>
+          </a:xfrm>
+        </p:spPr>
+        <p:txBody>
+          <a:bodyPr>
+            <a:normAutofit fontScale="92500" lnSpcReduction="10000"/>
+          </a:bodyPr>
+          <a:lstStyle/>
+          <a:p>
+            <a:r>
+              <a:rPr lang="en-US" dirty="0">
+                <a:latin typeface="Courier New" panose="02070309020205020404" pitchFamily="49" charset="0"/>
+                <a:cs typeface="Courier New" panose="02070309020205020404" pitchFamily="49" charset="0"/>
+              </a:rPr>
+              <a:t>i</a:t>
+            </a:r>
+            <a:r>
+              <a:rPr lang="en-US" dirty="0" smtClean="0">
+                <a:latin typeface="Courier New" panose="02070309020205020404" pitchFamily="49" charset="0"/>
+                <a:cs typeface="Courier New" panose="02070309020205020404" pitchFamily="49" charset="0"/>
+              </a:rPr>
+              <a:t>ndex.html</a:t>
+            </a:r>
+            <a:r>
+              <a:rPr lang="en-US" dirty="0" smtClean="0"/>
+              <a:t> is the entry point to the application. It is very sparse. In our case, it only contains the custom tag </a:t>
+            </a:r>
+            <a:r>
+              <a:rPr lang="en-US" dirty="0" smtClean="0">
+                <a:latin typeface="Courier New" panose="02070309020205020404" pitchFamily="49" charset="0"/>
+                <a:cs typeface="Courier New" panose="02070309020205020404" pitchFamily="49" charset="0"/>
+              </a:rPr>
+              <a:t>app-root.</a:t>
+            </a:r>
+          </a:p>
+          <a:p>
+            <a:endParaRPr lang="en-US" dirty="0" smtClean="0"/>
+          </a:p>
+          <a:p>
+            <a:pPr marL="0" indent="0">
+              <a:buNone/>
+            </a:pPr>
+            <a:endParaRPr lang="en-US" dirty="0" smtClean="0"/>
+          </a:p>
+          <a:p>
+            <a:pPr marL="0" indent="0">
+              <a:buNone/>
+            </a:pPr>
+            <a:endParaRPr lang="en-US" dirty="0" smtClean="0"/>
+          </a:p>
+          <a:p>
+            <a:r>
+              <a:rPr lang="en-US" dirty="0" err="1">
+                <a:latin typeface="Courier New" panose="02070309020205020404" pitchFamily="49" charset="0"/>
+                <a:cs typeface="Courier New" panose="02070309020205020404" pitchFamily="49" charset="0"/>
+              </a:rPr>
+              <a:t>a</a:t>
+            </a:r>
+            <a:r>
+              <a:rPr lang="en-US" dirty="0" err="1" smtClean="0">
+                <a:latin typeface="Courier New" panose="02070309020205020404" pitchFamily="49" charset="0"/>
+                <a:cs typeface="Courier New" panose="02070309020205020404" pitchFamily="49" charset="0"/>
+              </a:rPr>
+              <a:t>pp.component.ts</a:t>
+            </a:r>
+            <a:r>
+              <a:rPr lang="en-US" dirty="0" smtClean="0"/>
+              <a:t> has the custom tag definition of app-root.</a:t>
+            </a:r>
+          </a:p>
+          <a:p>
+            <a:endParaRPr lang="en-US" dirty="0"/>
+          </a:p>
+          <a:p>
+            <a:endParaRPr lang="en-US" dirty="0" smtClean="0"/>
+          </a:p>
+          <a:p>
+            <a:endParaRPr lang="en-US" dirty="0" smtClean="0"/>
+          </a:p>
+          <a:p>
+            <a:r>
+              <a:rPr lang="en-US" dirty="0" smtClean="0"/>
+              <a:t>Angular uses bootstrapping logic to set the starting point of the application. In this example, it is set in the </a:t>
+            </a:r>
+            <a:r>
+              <a:rPr lang="en-US" dirty="0" err="1" smtClean="0">
+                <a:latin typeface="Courier New" panose="02070309020205020404" pitchFamily="49" charset="0"/>
+                <a:cs typeface="Courier New" panose="02070309020205020404" pitchFamily="49" charset="0"/>
+              </a:rPr>
+              <a:t>src</a:t>
+            </a:r>
+            <a:r>
+              <a:rPr lang="en-US" dirty="0" smtClean="0">
+                <a:latin typeface="Courier New" panose="02070309020205020404" pitchFamily="49" charset="0"/>
+                <a:cs typeface="Courier New" panose="02070309020205020404" pitchFamily="49" charset="0"/>
+              </a:rPr>
+              <a:t>/</a:t>
+            </a:r>
+            <a:r>
+              <a:rPr lang="en-US" dirty="0" err="1" smtClean="0">
+                <a:latin typeface="Courier New" panose="02070309020205020404" pitchFamily="49" charset="0"/>
+                <a:cs typeface="Courier New" panose="02070309020205020404" pitchFamily="49" charset="0"/>
+              </a:rPr>
+              <a:t>main.ts</a:t>
+            </a:r>
+            <a:r>
+              <a:rPr lang="en-US" dirty="0" smtClean="0"/>
+              <a:t> module</a:t>
+            </a:r>
+          </a:p>
+          <a:p>
+            <a:endParaRPr lang="en-US" dirty="0" smtClean="0"/>
+          </a:p>
+          <a:p>
+            <a:endParaRPr lang="en-US" dirty="0"/>
+          </a:p>
+          <a:p>
+            <a:r>
+              <a:rPr lang="en-US" dirty="0" err="1" smtClean="0">
+                <a:latin typeface="Courier New" panose="02070309020205020404" pitchFamily="49" charset="0"/>
+                <a:cs typeface="Courier New" panose="02070309020205020404" pitchFamily="49" charset="0"/>
+              </a:rPr>
+              <a:t>AppModule</a:t>
+            </a:r>
+            <a:r>
+              <a:rPr lang="en-US" dirty="0" smtClean="0"/>
+              <a:t> is the main module for this application, it is declared in </a:t>
+            </a:r>
+            <a:r>
+              <a:rPr lang="en-US" dirty="0" err="1" smtClean="0">
+                <a:latin typeface="Courier New" panose="02070309020205020404" pitchFamily="49" charset="0"/>
+                <a:cs typeface="Courier New" panose="02070309020205020404" pitchFamily="49" charset="0"/>
+              </a:rPr>
+              <a:t>app.module.ts</a:t>
+            </a:r>
+            <a:endParaRPr lang="en-US" dirty="0" smtClean="0">
+              <a:latin typeface="Courier New" panose="02070309020205020404" pitchFamily="49" charset="0"/>
+              <a:cs typeface="Courier New" panose="02070309020205020404" pitchFamily="49" charset="0"/>
+            </a:endParaRPr>
+          </a:p>
+        </p:txBody>
+      </p:sp>
+      <p:pic>
+        <p:nvPicPr>
+          <p:cNvPr id="5" name="Picture 4"/>
+          <p:cNvPicPr>
+            <a:picLocks noChangeAspect="1"/>
+          </p:cNvPicPr>
+          <p:nvPr/>
+        </p:nvPicPr>
+        <p:blipFill>
+          <a:blip r:embed="rId2"/>
+          <a:stretch>
+            <a:fillRect/>
+          </a:stretch>
+        </p:blipFill>
+        <p:spPr>
+          <a:xfrm>
+            <a:off x="2241722" y="5239192"/>
+            <a:ext cx="5676900" cy="457200"/>
+          </a:xfrm>
+          <a:prstGeom prst="rect">
+            <a:avLst/>
+          </a:prstGeom>
+        </p:spPr>
+      </p:pic>
+      <p:pic>
+        <p:nvPicPr>
+          <p:cNvPr id="7" name="Picture 6"/>
+          <p:cNvPicPr>
+            <a:picLocks noChangeAspect="1"/>
+          </p:cNvPicPr>
+          <p:nvPr/>
+        </p:nvPicPr>
+        <p:blipFill>
+          <a:blip r:embed="rId3"/>
+          <a:stretch>
+            <a:fillRect/>
+          </a:stretch>
+        </p:blipFill>
+        <p:spPr>
+          <a:xfrm>
+            <a:off x="2787151" y="2113280"/>
+            <a:ext cx="3781425" cy="800100"/>
+          </a:xfrm>
+          <a:prstGeom prst="rect">
+            <a:avLst/>
+          </a:prstGeom>
+        </p:spPr>
+      </p:pic>
+      <p:pic>
+        <p:nvPicPr>
+          <p:cNvPr id="8" name="Picture 7"/>
+          <p:cNvPicPr>
+            <a:picLocks noChangeAspect="1"/>
+          </p:cNvPicPr>
+          <p:nvPr/>
+        </p:nvPicPr>
+        <p:blipFill>
+          <a:blip r:embed="rId4"/>
+          <a:stretch>
+            <a:fillRect/>
+          </a:stretch>
+        </p:blipFill>
+        <p:spPr>
+          <a:xfrm>
+            <a:off x="2787151" y="3475433"/>
+            <a:ext cx="4095750" cy="1057275"/>
+          </a:xfrm>
+          <a:prstGeom prst="rect">
+            <a:avLst/>
+          </a:prstGeom>
+        </p:spPr>
+      </p:pic>
+    </p:spTree>
+    <p:extLst>
+      <p:ext uri="{BB962C8B-B14F-4D97-AF65-F5344CB8AC3E}">
+        <p14:creationId xmlns:p14="http://schemas.microsoft.com/office/powerpoint/2010/main" val="3373209629"/>
+      </p:ext>
+    </p:extLst>
+  </p:cSld>
+  <p:clrMapOvr>
+    <a:masterClrMapping/>
+  </p:clrMapOvr>
+</p:sld>
+</file>
+
+<file path=ppt/slides/slide5.xml><?xml version="1.0" encoding="utf-8"?>
 <p:sld xmlns:a="http://schemas.openxmlformats.org/drawingml/2006/main" xmlns:r="http://schemas.openxmlformats.org/officeDocument/2006/relationships" xmlns:p="http://schemas.openxmlformats.org/presentationml/2006/main">
   <p:cSld>
     <p:spTree>
